--- a/SI/Exam 3 Review Session.pptx
+++ b/SI/Exam 3 Review Session.pptx
@@ -6,10 +6,9 @@
   </p:sldMasterIdLst>
   <p:sldIdLst>
     <p:sldId id="256" r:id="rId2"/>
-    <p:sldId id="260" r:id="rId3"/>
-    <p:sldId id="257" r:id="rId4"/>
-    <p:sldId id="258" r:id="rId5"/>
-    <p:sldId id="259" r:id="rId6"/>
+    <p:sldId id="257" r:id="rId3"/>
+    <p:sldId id="258" r:id="rId4"/>
+    <p:sldId id="259" r:id="rId5"/>
   </p:sldIdLst>
   <p:sldSz cx="12192000" cy="6858000"/>
   <p:notesSz cx="6858000" cy="9144000"/>
@@ -108,7 +107,16 @@
       </a:defRPr>
     </a:lvl9pPr>
   </p:defaultTextStyle>
+  <p:extLst>
+    <p:ext uri="{EFAFB233-063F-42B5-8137-9DF3F51BA10A}">
+      <p15:sldGuideLst xmlns:p15="http://schemas.microsoft.com/office/powerpoint/2012/main"/>
+    </p:ext>
+  </p:extLst>
 </p:presentation>
+</file>
+
+<file path=ppt/revisionInfo.xml><?xml version="1.0" encoding="utf-8"?>
+<p1510:revInfo xmlns:a="http://schemas.openxmlformats.org/drawingml/2006/main" xmlns:r="http://schemas.openxmlformats.org/officeDocument/2006/relationships" xmlns:p1510="http://schemas.microsoft.com/office/powerpoint/2015/10/main"/>
 </file>
 
 <file path=ppt/slideLayouts/slideLayout1.xml><?xml version="1.0" encoding="utf-8"?>
@@ -258,7 +266,7 @@
           <a:p>
             <a:fld id="{F7DFC5EB-E6C2-4CB1-9228-FE014C991285}" type="datetimeFigureOut">
               <a:rPr lang="en-US" smtClean="0"/>
-              <a:t>10/31/2017</a:t>
+              <a:t>11/30/2017</a:t>
             </a:fld>
             <a:endParaRPr lang="en-US"/>
           </a:p>
@@ -456,7 +464,7 @@
           <a:p>
             <a:fld id="{F7DFC5EB-E6C2-4CB1-9228-FE014C991285}" type="datetimeFigureOut">
               <a:rPr lang="en-US" smtClean="0"/>
-              <a:t>10/31/2017</a:t>
+              <a:t>11/30/2017</a:t>
             </a:fld>
             <a:endParaRPr lang="en-US"/>
           </a:p>
@@ -664,7 +672,7 @@
           <a:p>
             <a:fld id="{F7DFC5EB-E6C2-4CB1-9228-FE014C991285}" type="datetimeFigureOut">
               <a:rPr lang="en-US" smtClean="0"/>
-              <a:t>10/31/2017</a:t>
+              <a:t>11/30/2017</a:t>
             </a:fld>
             <a:endParaRPr lang="en-US"/>
           </a:p>
@@ -862,7 +870,7 @@
           <a:p>
             <a:fld id="{F7DFC5EB-E6C2-4CB1-9228-FE014C991285}" type="datetimeFigureOut">
               <a:rPr lang="en-US" smtClean="0"/>
-              <a:t>10/31/2017</a:t>
+              <a:t>11/30/2017</a:t>
             </a:fld>
             <a:endParaRPr lang="en-US"/>
           </a:p>
@@ -1137,7 +1145,7 @@
           <a:p>
             <a:fld id="{F7DFC5EB-E6C2-4CB1-9228-FE014C991285}" type="datetimeFigureOut">
               <a:rPr lang="en-US" smtClean="0"/>
-              <a:t>10/31/2017</a:t>
+              <a:t>11/30/2017</a:t>
             </a:fld>
             <a:endParaRPr lang="en-US"/>
           </a:p>
@@ -1402,7 +1410,7 @@
           <a:p>
             <a:fld id="{F7DFC5EB-E6C2-4CB1-9228-FE014C991285}" type="datetimeFigureOut">
               <a:rPr lang="en-US" smtClean="0"/>
-              <a:t>10/31/2017</a:t>
+              <a:t>11/30/2017</a:t>
             </a:fld>
             <a:endParaRPr lang="en-US"/>
           </a:p>
@@ -1814,7 +1822,7 @@
           <a:p>
             <a:fld id="{F7DFC5EB-E6C2-4CB1-9228-FE014C991285}" type="datetimeFigureOut">
               <a:rPr lang="en-US" smtClean="0"/>
-              <a:t>10/31/2017</a:t>
+              <a:t>11/30/2017</a:t>
             </a:fld>
             <a:endParaRPr lang="en-US"/>
           </a:p>
@@ -1955,7 +1963,7 @@
           <a:p>
             <a:fld id="{F7DFC5EB-E6C2-4CB1-9228-FE014C991285}" type="datetimeFigureOut">
               <a:rPr lang="en-US" smtClean="0"/>
-              <a:t>10/31/2017</a:t>
+              <a:t>11/30/2017</a:t>
             </a:fld>
             <a:endParaRPr lang="en-US"/>
           </a:p>
@@ -2068,7 +2076,7 @@
           <a:p>
             <a:fld id="{F7DFC5EB-E6C2-4CB1-9228-FE014C991285}" type="datetimeFigureOut">
               <a:rPr lang="en-US" smtClean="0"/>
-              <a:t>10/31/2017</a:t>
+              <a:t>11/30/2017</a:t>
             </a:fld>
             <a:endParaRPr lang="en-US"/>
           </a:p>
@@ -2379,7 +2387,7 @@
           <a:p>
             <a:fld id="{F7DFC5EB-E6C2-4CB1-9228-FE014C991285}" type="datetimeFigureOut">
               <a:rPr lang="en-US" smtClean="0"/>
-              <a:t>10/31/2017</a:t>
+              <a:t>11/30/2017</a:t>
             </a:fld>
             <a:endParaRPr lang="en-US"/>
           </a:p>
@@ -2667,7 +2675,7 @@
           <a:p>
             <a:fld id="{F7DFC5EB-E6C2-4CB1-9228-FE014C991285}" type="datetimeFigureOut">
               <a:rPr lang="en-US" smtClean="0"/>
-              <a:t>10/31/2017</a:t>
+              <a:t>11/30/2017</a:t>
             </a:fld>
             <a:endParaRPr lang="en-US"/>
           </a:p>
@@ -2908,7 +2916,7 @@
           <a:p>
             <a:fld id="{F7DFC5EB-E6C2-4CB1-9228-FE014C991285}" type="datetimeFigureOut">
               <a:rPr lang="en-US" smtClean="0"/>
-              <a:t>10/31/2017</a:t>
+              <a:t>11/30/2017</a:t>
             </a:fld>
             <a:endParaRPr lang="en-US"/>
           </a:p>
@@ -3413,7 +3421,7 @@
           <p:cNvPr id="2" name="Title 1">
             <a:extLst>
               <a:ext uri="{FF2B5EF4-FFF2-40B4-BE49-F238E27FC236}">
-                <a16:creationId xmlns:a16="http://schemas.microsoft.com/office/drawing/2014/main" id="{CB39677A-7F9E-4D2D-B536-580AD52970C1}"/>
+                <a16:creationId xmlns:a16="http://schemas.microsoft.com/office/drawing/2014/main" id="{2298939D-82C8-4A78-8B96-5051F1140B69}"/>
               </a:ext>
             </a:extLst>
           </p:cNvPr>
@@ -3429,89 +3437,6 @@
           <a:bodyPr/>
           <a:lstStyle/>
           <a:p>
-            <a:endParaRPr lang="en-US"/>
-          </a:p>
-        </p:txBody>
-      </p:sp>
-      <p:sp>
-        <p:nvSpPr>
-          <p:cNvPr id="3" name="Content Placeholder 2">
-            <a:extLst>
-              <a:ext uri="{FF2B5EF4-FFF2-40B4-BE49-F238E27FC236}">
-                <a16:creationId xmlns:a16="http://schemas.microsoft.com/office/drawing/2014/main" id="{24A2B944-A1B1-4CF9-A4ED-85DC7D901513}"/>
-              </a:ext>
-            </a:extLst>
-          </p:cNvPr>
-          <p:cNvSpPr>
-            <a:spLocks noGrp="1"/>
-          </p:cNvSpPr>
-          <p:nvPr>
-            <p:ph idx="1"/>
-          </p:nvPr>
-        </p:nvSpPr>
-        <p:spPr/>
-        <p:txBody>
-          <a:bodyPr/>
-          <a:lstStyle/>
-          <a:p>
-            <a:r>
-              <a:rPr lang="en-US" dirty="0"/>
-              <a:t>Equations for dot and cross product</a:t>
-            </a:r>
-          </a:p>
-        </p:txBody>
-      </p:sp>
-    </p:spTree>
-    <p:extLst>
-      <p:ext uri="{BB962C8B-B14F-4D97-AF65-F5344CB8AC3E}">
-        <p14:creationId xmlns:p14="http://schemas.microsoft.com/office/powerpoint/2010/main" val="445010999"/>
-      </p:ext>
-    </p:extLst>
-  </p:cSld>
-  <p:clrMapOvr>
-    <a:masterClrMapping/>
-  </p:clrMapOvr>
-</p:sld>
-</file>
-
-<file path=ppt/slides/slide3.xml><?xml version="1.0" encoding="utf-8"?>
-<p:sld xmlns:a="http://schemas.openxmlformats.org/drawingml/2006/main" xmlns:r="http://schemas.openxmlformats.org/officeDocument/2006/relationships" xmlns:p="http://schemas.openxmlformats.org/presentationml/2006/main">
-  <p:cSld>
-    <p:spTree>
-      <p:nvGrpSpPr>
-        <p:cNvPr id="1" name=""/>
-        <p:cNvGrpSpPr/>
-        <p:nvPr/>
-      </p:nvGrpSpPr>
-      <p:grpSpPr>
-        <a:xfrm>
-          <a:off x="0" y="0"/>
-          <a:ext cx="0" cy="0"/>
-          <a:chOff x="0" y="0"/>
-          <a:chExt cx="0" cy="0"/>
-        </a:xfrm>
-      </p:grpSpPr>
-      <p:sp>
-        <p:nvSpPr>
-          <p:cNvPr id="2" name="Title 1">
-            <a:extLst>
-              <a:ext uri="{FF2B5EF4-FFF2-40B4-BE49-F238E27FC236}">
-                <a16:creationId xmlns:a16="http://schemas.microsoft.com/office/drawing/2014/main" id="{2298939D-82C8-4A78-8B96-5051F1140B69}"/>
-              </a:ext>
-            </a:extLst>
-          </p:cNvPr>
-          <p:cNvSpPr>
-            <a:spLocks noGrp="1"/>
-          </p:cNvSpPr>
-          <p:nvPr>
-            <p:ph type="title"/>
-          </p:nvPr>
-        </p:nvSpPr>
-        <p:spPr/>
-        <p:txBody>
-          <a:bodyPr/>
-          <a:lstStyle/>
-          <a:p>
             <a:r>
               <a:rPr lang="en-US" dirty="0"/>
               <a:t>Ch 27 Forces on Moving Charges and Currents in Magnetic Fields </a:t>
@@ -3519,8 +3444,8 @@
           </a:p>
         </p:txBody>
       </p:sp>
-      <mc:AlternateContent xmlns:mc="http://schemas.openxmlformats.org/markup-compatibility/2006">
-        <mc:Choice xmlns:a14="http://schemas.microsoft.com/office/drawing/2010/main" Requires="a14">
+      <mc:AlternateContent xmlns:mc="http://schemas.openxmlformats.org/markup-compatibility/2006" xmlns:a14="http://schemas.microsoft.com/office/drawing/2010/main">
+        <mc:Choice Requires="a14">
           <p:sp>
             <p:nvSpPr>
               <p:cNvPr id="3" name="Content Placeholder 2">
@@ -4006,7 +3931,7 @@
             </p:txBody>
           </p:sp>
         </mc:Choice>
-        <mc:Fallback>
+        <mc:Fallback xmlns="">
           <p:sp>
             <p:nvSpPr>
               <p:cNvPr id="3" name="Content Placeholder 2">
@@ -4059,7 +3984,7 @@
 </p:sld>
 </file>
 
-<file path=ppt/slides/slide4.xml><?xml version="1.0" encoding="utf-8"?>
+<file path=ppt/slides/slide3.xml><?xml version="1.0" encoding="utf-8"?>
 <p:sld xmlns:a="http://schemas.openxmlformats.org/drawingml/2006/main" xmlns:r="http://schemas.openxmlformats.org/officeDocument/2006/relationships" xmlns:p="http://schemas.openxmlformats.org/presentationml/2006/main">
   <p:cSld>
     <p:spTree>
@@ -4163,7 +4088,7 @@
                     <m:f>
                       <m:fPr>
                         <m:ctrlPr>
-                          <a:rPr lang="en-US" b="0" i="0" smtClean="0">
+                          <a:rPr lang="en-US" b="0" i="1" smtClean="0">
                             <a:latin typeface="Cambria Math" panose="02040503050406030204" pitchFamily="18" charset="0"/>
                           </a:rPr>
                         </m:ctrlPr>
@@ -4284,7 +4209,7 @@
                         <m:sSup>
                           <m:sSupPr>
                             <m:ctrlPr>
-                              <a:rPr lang="en-US" b="0" i="0" smtClean="0">
+                              <a:rPr lang="en-US" b="0" i="1" smtClean="0">
                                 <a:latin typeface="Cambria Math" panose="02040503050406030204" pitchFamily="18" charset="0"/>
                               </a:rPr>
                             </m:ctrlPr>
@@ -4835,6 +4760,36 @@
                   <a:t> n is number of loops per meter</a:t>
                 </a:r>
               </a:p>
+              <a:p>
+                <a:pPr marL="457200" lvl="1" indent="0">
+                  <a:buNone/>
+                </a:pPr>
+                <a:r>
+                  <a:rPr lang="el-GR" i="1" dirty="0"/>
+                  <a:t>μ</a:t>
+                </a:r>
+                <a:r>
+                  <a:rPr lang="el-GR" baseline="-25000" dirty="0"/>
+                  <a:t>0</a:t>
+                </a:r>
+                <a:r>
+                  <a:rPr lang="el-GR" dirty="0"/>
+                  <a:t> = 4</a:t>
+                </a:r>
+                <a:r>
+                  <a:rPr lang="el-GR" i="1" dirty="0"/>
+                  <a:t>π</a:t>
+                </a:r>
+                <a:r>
+                  <a:rPr lang="el-GR" dirty="0"/>
+                  <a:t>×10</a:t>
+                </a:r>
+                <a:r>
+                  <a:rPr lang="el-GR" baseline="30000" dirty="0"/>
+                  <a:t>−7</a:t>
+                </a:r>
+                <a:endParaRPr lang="en-US" dirty="0"/>
+              </a:p>
             </p:txBody>
           </p:sp>
         </mc:Choice>
@@ -4891,7 +4846,7 @@
 </p:sld>
 </file>
 
-<file path=ppt/slides/slide5.xml><?xml version="1.0" encoding="utf-8"?>
+<file path=ppt/slides/slide4.xml><?xml version="1.0" encoding="utf-8"?>
 <p:sld xmlns:a="http://schemas.openxmlformats.org/drawingml/2006/main" xmlns:r="http://schemas.openxmlformats.org/officeDocument/2006/relationships" xmlns:p="http://schemas.openxmlformats.org/presentationml/2006/main">
   <p:cSld>
     <p:spTree>
@@ -4968,7 +4923,7 @@
                 <a:pPr lvl="1"/>
                 <a:r>
                   <a:rPr lang="en-US" dirty="0"/>
-                  <a:t>Depends of strength of field, size of area, and angle between them</a:t>
+                  <a:t>Depends on strength of field, size of area, and angle between them</a:t>
                 </a:r>
               </a:p>
               <a:p>
